--- a/PPTs/2.PythonDataStructure.pptx
+++ b/PPTs/2.PythonDataStructure.pptx
@@ -277,7 +277,7 @@
           <a:p>
             <a:fld id="{5C56629F-39A5-4EA1-A1F3-2CDCFEC14DE2}" type="datetimeFigureOut">
               <a:rPr lang="en-US" smtClean="0"/>
-              <a:t>6/8/2019</a:t>
+              <a:t>1/30/2021</a:t>
             </a:fld>
             <a:endParaRPr lang="en-US"/>
           </a:p>
@@ -475,7 +475,7 @@
           <a:p>
             <a:fld id="{5C56629F-39A5-4EA1-A1F3-2CDCFEC14DE2}" type="datetimeFigureOut">
               <a:rPr lang="en-US" smtClean="0"/>
-              <a:t>6/8/2019</a:t>
+              <a:t>1/30/2021</a:t>
             </a:fld>
             <a:endParaRPr lang="en-US"/>
           </a:p>
@@ -683,7 +683,7 @@
           <a:p>
             <a:fld id="{5C56629F-39A5-4EA1-A1F3-2CDCFEC14DE2}" type="datetimeFigureOut">
               <a:rPr lang="en-US" smtClean="0"/>
-              <a:t>6/8/2019</a:t>
+              <a:t>1/30/2021</a:t>
             </a:fld>
             <a:endParaRPr lang="en-US"/>
           </a:p>
@@ -881,7 +881,7 @@
           <a:p>
             <a:fld id="{5C56629F-39A5-4EA1-A1F3-2CDCFEC14DE2}" type="datetimeFigureOut">
               <a:rPr lang="en-US" smtClean="0"/>
-              <a:t>6/8/2019</a:t>
+              <a:t>1/30/2021</a:t>
             </a:fld>
             <a:endParaRPr lang="en-US"/>
           </a:p>
@@ -1156,7 +1156,7 @@
           <a:p>
             <a:fld id="{5C56629F-39A5-4EA1-A1F3-2CDCFEC14DE2}" type="datetimeFigureOut">
               <a:rPr lang="en-US" smtClean="0"/>
-              <a:t>6/8/2019</a:t>
+              <a:t>1/30/2021</a:t>
             </a:fld>
             <a:endParaRPr lang="en-US"/>
           </a:p>
@@ -1421,7 +1421,7 @@
           <a:p>
             <a:fld id="{5C56629F-39A5-4EA1-A1F3-2CDCFEC14DE2}" type="datetimeFigureOut">
               <a:rPr lang="en-US" smtClean="0"/>
-              <a:t>6/8/2019</a:t>
+              <a:t>1/30/2021</a:t>
             </a:fld>
             <a:endParaRPr lang="en-US"/>
           </a:p>
@@ -1833,7 +1833,7 @@
           <a:p>
             <a:fld id="{5C56629F-39A5-4EA1-A1F3-2CDCFEC14DE2}" type="datetimeFigureOut">
               <a:rPr lang="en-US" smtClean="0"/>
-              <a:t>6/8/2019</a:t>
+              <a:t>1/30/2021</a:t>
             </a:fld>
             <a:endParaRPr lang="en-US"/>
           </a:p>
@@ -1974,7 +1974,7 @@
           <a:p>
             <a:fld id="{5C56629F-39A5-4EA1-A1F3-2CDCFEC14DE2}" type="datetimeFigureOut">
               <a:rPr lang="en-US" smtClean="0"/>
-              <a:t>6/8/2019</a:t>
+              <a:t>1/30/2021</a:t>
             </a:fld>
             <a:endParaRPr lang="en-US"/>
           </a:p>
@@ -2087,7 +2087,7 @@
           <a:p>
             <a:fld id="{5C56629F-39A5-4EA1-A1F3-2CDCFEC14DE2}" type="datetimeFigureOut">
               <a:rPr lang="en-US" smtClean="0"/>
-              <a:t>6/8/2019</a:t>
+              <a:t>1/30/2021</a:t>
             </a:fld>
             <a:endParaRPr lang="en-US"/>
           </a:p>
@@ -2398,7 +2398,7 @@
           <a:p>
             <a:fld id="{5C56629F-39A5-4EA1-A1F3-2CDCFEC14DE2}" type="datetimeFigureOut">
               <a:rPr lang="en-US" smtClean="0"/>
-              <a:t>6/8/2019</a:t>
+              <a:t>1/30/2021</a:t>
             </a:fld>
             <a:endParaRPr lang="en-US"/>
           </a:p>
@@ -2686,7 +2686,7 @@
           <a:p>
             <a:fld id="{5C56629F-39A5-4EA1-A1F3-2CDCFEC14DE2}" type="datetimeFigureOut">
               <a:rPr lang="en-US" smtClean="0"/>
-              <a:t>6/8/2019</a:t>
+              <a:t>1/30/2021</a:t>
             </a:fld>
             <a:endParaRPr lang="en-US"/>
           </a:p>
@@ -2927,7 +2927,7 @@
           <a:p>
             <a:fld id="{5C56629F-39A5-4EA1-A1F3-2CDCFEC14DE2}" type="datetimeFigureOut">
               <a:rPr lang="en-US" smtClean="0"/>
-              <a:t>6/8/2019</a:t>
+              <a:t>1/30/2021</a:t>
             </a:fld>
             <a:endParaRPr lang="en-US"/>
           </a:p>
@@ -3845,8 +3845,8 @@
         </p:nvSpPr>
         <p:spPr>
           <a:xfrm>
-            <a:off x="838200" y="2192675"/>
-            <a:ext cx="3866322" cy="2352821"/>
+            <a:off x="749941" y="1819163"/>
+            <a:ext cx="3866322" cy="1913325"/>
           </a:xfrm>
         </p:spPr>
         <p:txBody>
@@ -3857,6 +3857,12 @@
           <a:p>
             <a:r>
               <a:rPr lang="en-US" sz="1800" dirty="0"/>
+              <a:t>collection of alphabets, words or other characters</a:t>
+            </a:r>
+          </a:p>
+          <a:p>
+            <a:r>
+              <a:rPr lang="en-US" sz="1800" dirty="0"/>
               <a:t>Immutable</a:t>
             </a:r>
           </a:p>
@@ -3867,17 +3873,6 @@
             </a:r>
           </a:p>
           <a:p>
-            <a:pPr>
-              <a:lnSpc>
-                <a:spcPct val="100000"/>
-              </a:lnSpc>
-            </a:pPr>
-            <a:r>
-              <a:rPr lang="en-US" sz="1800" dirty="0"/>
-              <a:t>collection of alphabets, words or other characters</a:t>
-            </a:r>
-          </a:p>
-          <a:p>
             <a:r>
               <a:rPr lang="en-US" sz="1800" dirty="0"/>
               <a:t>Substring</a:t>
@@ -3899,7 +3894,7 @@
         </p:nvSpPr>
         <p:spPr>
           <a:xfrm>
-            <a:off x="838200" y="1741626"/>
+            <a:off x="819266" y="1360280"/>
             <a:ext cx="1780231" cy="400110"/>
           </a:xfrm>
           <a:prstGeom prst="rect">
@@ -3934,7 +3929,7 @@
         </p:nvSpPr>
         <p:spPr>
           <a:xfrm>
-            <a:off x="5468370" y="1685098"/>
+            <a:off x="7771473" y="1026665"/>
             <a:ext cx="3582327" cy="2400657"/>
           </a:xfrm>
           <a:prstGeom prst="rect">
@@ -4168,6 +4163,301 @@
           </a:prstGeom>
         </p:spPr>
       </p:pic>
+      <p:graphicFrame>
+        <p:nvGraphicFramePr>
+          <p:cNvPr id="30" name="Table 30">
+            <a:extLst>
+              <a:ext uri="{FF2B5EF4-FFF2-40B4-BE49-F238E27FC236}">
+                <a16:creationId xmlns:a16="http://schemas.microsoft.com/office/drawing/2014/main" id="{8C91ED1C-497C-4345-94D3-42AD40538D4E}"/>
+              </a:ext>
+            </a:extLst>
+          </p:cNvPr>
+          <p:cNvGraphicFramePr>
+            <a:graphicFrameLocks noGrp="1"/>
+          </p:cNvGraphicFramePr>
+          <p:nvPr>
+            <p:extLst>
+              <p:ext uri="{D42A27DB-BD31-4B8C-83A1-F6EECF244321}">
+                <p14:modId xmlns:p14="http://schemas.microsoft.com/office/powerpoint/2010/main" val="3375996700"/>
+              </p:ext>
+            </p:extLst>
+          </p:nvPr>
+        </p:nvGraphicFramePr>
+        <p:xfrm>
+          <a:off x="3417909" y="3182039"/>
+          <a:ext cx="8128002" cy="741680"/>
+        </p:xfrm>
+        <a:graphic>
+          <a:graphicData uri="http://schemas.openxmlformats.org/drawingml/2006/table">
+            <a:tbl>
+              <a:tblPr firstRow="1" bandRow="1">
+                <a:tableStyleId>{5C22544A-7EE6-4342-B048-85BDC9FD1C3A}</a:tableStyleId>
+              </a:tblPr>
+              <a:tblGrid>
+                <a:gridCol w="1354667">
+                  <a:extLst>
+                    <a:ext uri="{9D8B030D-6E8A-4147-A177-3AD203B41FA5}">
+                      <a16:colId xmlns:a16="http://schemas.microsoft.com/office/drawing/2014/main" val="2832231681"/>
+                    </a:ext>
+                  </a:extLst>
+                </a:gridCol>
+                <a:gridCol w="1354667">
+                  <a:extLst>
+                    <a:ext uri="{9D8B030D-6E8A-4147-A177-3AD203B41FA5}">
+                      <a16:colId xmlns:a16="http://schemas.microsoft.com/office/drawing/2014/main" val="411727010"/>
+                    </a:ext>
+                  </a:extLst>
+                </a:gridCol>
+                <a:gridCol w="1354667">
+                  <a:extLst>
+                    <a:ext uri="{9D8B030D-6E8A-4147-A177-3AD203B41FA5}">
+                      <a16:colId xmlns:a16="http://schemas.microsoft.com/office/drawing/2014/main" val="594193679"/>
+                    </a:ext>
+                  </a:extLst>
+                </a:gridCol>
+                <a:gridCol w="1354667">
+                  <a:extLst>
+                    <a:ext uri="{9D8B030D-6E8A-4147-A177-3AD203B41FA5}">
+                      <a16:colId xmlns:a16="http://schemas.microsoft.com/office/drawing/2014/main" val="1959952334"/>
+                    </a:ext>
+                  </a:extLst>
+                </a:gridCol>
+                <a:gridCol w="1354667">
+                  <a:extLst>
+                    <a:ext uri="{9D8B030D-6E8A-4147-A177-3AD203B41FA5}">
+                      <a16:colId xmlns:a16="http://schemas.microsoft.com/office/drawing/2014/main" val="3417031906"/>
+                    </a:ext>
+                  </a:extLst>
+                </a:gridCol>
+                <a:gridCol w="1354667">
+                  <a:extLst>
+                    <a:ext uri="{9D8B030D-6E8A-4147-A177-3AD203B41FA5}">
+                      <a16:colId xmlns:a16="http://schemas.microsoft.com/office/drawing/2014/main" val="2328403942"/>
+                    </a:ext>
+                  </a:extLst>
+                </a:gridCol>
+              </a:tblGrid>
+              <a:tr h="370840">
+                <a:tc>
+                  <a:txBody>
+                    <a:bodyPr/>
+                    <a:lstStyle/>
+                    <a:p>
+                      <a:pPr algn="ctr"/>
+                      <a:r>
+                        <a:rPr lang="en-IN" b="1" dirty="0"/>
+                        <a:t>0</a:t>
+                      </a:r>
+                    </a:p>
+                  </a:txBody>
+                  <a:tcPr/>
+                </a:tc>
+                <a:tc>
+                  <a:txBody>
+                    <a:bodyPr/>
+                    <a:lstStyle/>
+                    <a:p>
+                      <a:pPr algn="ctr"/>
+                      <a:r>
+                        <a:rPr lang="en-IN" b="1" dirty="0"/>
+                        <a:t>1</a:t>
+                      </a:r>
+                    </a:p>
+                  </a:txBody>
+                  <a:tcPr/>
+                </a:tc>
+                <a:tc>
+                  <a:txBody>
+                    <a:bodyPr/>
+                    <a:lstStyle/>
+                    <a:p>
+                      <a:pPr algn="ctr"/>
+                      <a:r>
+                        <a:rPr lang="en-IN" b="1" dirty="0"/>
+                        <a:t>2</a:t>
+                      </a:r>
+                    </a:p>
+                  </a:txBody>
+                  <a:tcPr/>
+                </a:tc>
+                <a:tc>
+                  <a:txBody>
+                    <a:bodyPr/>
+                    <a:lstStyle/>
+                    <a:p>
+                      <a:pPr algn="ctr"/>
+                      <a:r>
+                        <a:rPr lang="en-IN" b="1" dirty="0"/>
+                        <a:t>3</a:t>
+                      </a:r>
+                    </a:p>
+                  </a:txBody>
+                  <a:tcPr/>
+                </a:tc>
+                <a:tc>
+                  <a:txBody>
+                    <a:bodyPr/>
+                    <a:lstStyle/>
+                    <a:p>
+                      <a:pPr algn="ctr"/>
+                      <a:r>
+                        <a:rPr lang="en-IN" b="1" dirty="0"/>
+                        <a:t>4</a:t>
+                      </a:r>
+                    </a:p>
+                  </a:txBody>
+                  <a:tcPr/>
+                </a:tc>
+                <a:tc>
+                  <a:txBody>
+                    <a:bodyPr/>
+                    <a:lstStyle/>
+                    <a:p>
+                      <a:pPr algn="ctr"/>
+                      <a:r>
+                        <a:rPr lang="en-IN" b="1" dirty="0"/>
+                        <a:t>5</a:t>
+                      </a:r>
+                    </a:p>
+                  </a:txBody>
+                  <a:tcPr/>
+                </a:tc>
+                <a:extLst>
+                  <a:ext uri="{0D108BD9-81ED-4DB2-BD59-A6C34878D82A}">
+                    <a16:rowId xmlns:a16="http://schemas.microsoft.com/office/drawing/2014/main" val="3407367347"/>
+                  </a:ext>
+                </a:extLst>
+              </a:tr>
+              <a:tr h="370840">
+                <a:tc>
+                  <a:txBody>
+                    <a:bodyPr/>
+                    <a:lstStyle/>
+                    <a:p>
+                      <a:pPr algn="ctr"/>
+                      <a:r>
+                        <a:rPr lang="en-IN" b="1" dirty="0"/>
+                        <a:t>S</a:t>
+                      </a:r>
+                    </a:p>
+                  </a:txBody>
+                  <a:tcPr/>
+                </a:tc>
+                <a:tc>
+                  <a:txBody>
+                    <a:bodyPr/>
+                    <a:lstStyle/>
+                    <a:p>
+                      <a:pPr algn="ctr"/>
+                      <a:r>
+                        <a:rPr lang="en-IN" b="1" dirty="0"/>
+                        <a:t>T</a:t>
+                      </a:r>
+                    </a:p>
+                  </a:txBody>
+                  <a:tcPr/>
+                </a:tc>
+                <a:tc>
+                  <a:txBody>
+                    <a:bodyPr/>
+                    <a:lstStyle/>
+                    <a:p>
+                      <a:pPr algn="ctr"/>
+                      <a:r>
+                        <a:rPr lang="en-IN" b="1" dirty="0"/>
+                        <a:t>R</a:t>
+                      </a:r>
+                    </a:p>
+                  </a:txBody>
+                  <a:tcPr/>
+                </a:tc>
+                <a:tc>
+                  <a:txBody>
+                    <a:bodyPr/>
+                    <a:lstStyle/>
+                    <a:p>
+                      <a:pPr algn="ctr"/>
+                      <a:r>
+                        <a:rPr lang="en-IN" b="1" dirty="0"/>
+                        <a:t>I</a:t>
+                      </a:r>
+                    </a:p>
+                  </a:txBody>
+                  <a:tcPr/>
+                </a:tc>
+                <a:tc>
+                  <a:txBody>
+                    <a:bodyPr/>
+                    <a:lstStyle/>
+                    <a:p>
+                      <a:pPr algn="ctr"/>
+                      <a:r>
+                        <a:rPr lang="en-IN" b="1" dirty="0"/>
+                        <a:t>N</a:t>
+                      </a:r>
+                    </a:p>
+                  </a:txBody>
+                  <a:tcPr/>
+                </a:tc>
+                <a:tc>
+                  <a:txBody>
+                    <a:bodyPr/>
+                    <a:lstStyle/>
+                    <a:p>
+                      <a:pPr algn="ctr"/>
+                      <a:r>
+                        <a:rPr lang="en-IN" b="1" dirty="0"/>
+                        <a:t>G</a:t>
+                      </a:r>
+                    </a:p>
+                  </a:txBody>
+                  <a:tcPr/>
+                </a:tc>
+                <a:extLst>
+                  <a:ext uri="{0D108BD9-81ED-4DB2-BD59-A6C34878D82A}">
+                    <a16:rowId xmlns:a16="http://schemas.microsoft.com/office/drawing/2014/main" val="1336498028"/>
+                  </a:ext>
+                </a:extLst>
+              </a:tr>
+            </a:tbl>
+          </a:graphicData>
+        </a:graphic>
+      </p:graphicFrame>
+      <p:sp>
+        <p:nvSpPr>
+          <p:cNvPr id="10" name="TextBox 9">
+            <a:extLst>
+              <a:ext uri="{FF2B5EF4-FFF2-40B4-BE49-F238E27FC236}">
+                <a16:creationId xmlns:a16="http://schemas.microsoft.com/office/drawing/2014/main" id="{9E4261E9-92BA-42D9-B6B5-08B800559E93}"/>
+              </a:ext>
+            </a:extLst>
+          </p:cNvPr>
+          <p:cNvSpPr txBox="1"/>
+          <p:nvPr/>
+        </p:nvSpPr>
+        <p:spPr>
+          <a:xfrm>
+            <a:off x="2242587" y="3427322"/>
+            <a:ext cx="1128835" cy="584775"/>
+          </a:xfrm>
+          <a:prstGeom prst="rect">
+            <a:avLst/>
+          </a:prstGeom>
+          <a:noFill/>
+        </p:spPr>
+        <p:txBody>
+          <a:bodyPr wrap="none" rtlCol="0">
+            <a:spAutoFit/>
+          </a:bodyPr>
+          <a:lstStyle/>
+          <a:p>
+            <a:r>
+              <a:rPr lang="en-IN" sz="3200" b="1" dirty="0"/>
+              <a:t>char=</a:t>
+            </a:r>
+          </a:p>
+        </p:txBody>
+      </p:sp>
     </p:spTree>
     <p:extLst>
       <p:ext uri="{BB962C8B-B14F-4D97-AF65-F5344CB8AC3E}">
@@ -4178,6 +4468,715 @@
   <p:clrMapOvr>
     <a:masterClrMapping/>
   </p:clrMapOvr>
+  <p:timing>
+    <p:tnLst>
+      <p:par>
+        <p:cTn id="1" dur="indefinite" restart="never" nodeType="tmRoot">
+          <p:childTnLst>
+            <p:seq concurrent="1" nextAc="seek">
+              <p:cTn id="2" dur="indefinite" nodeType="mainSeq">
+                <p:childTnLst>
+                  <p:par>
+                    <p:cTn id="3" fill="hold">
+                      <p:stCondLst>
+                        <p:cond delay="indefinite"/>
+                      </p:stCondLst>
+                      <p:childTnLst>
+                        <p:par>
+                          <p:cTn id="4" fill="hold">
+                            <p:stCondLst>
+                              <p:cond delay="0"/>
+                            </p:stCondLst>
+                            <p:childTnLst>
+                              <p:par>
+                                <p:cTn id="5" presetID="1" presetClass="entr" presetSubtype="0" fill="hold" grpId="0" nodeType="clickEffect">
+                                  <p:stCondLst>
+                                    <p:cond delay="0"/>
+                                  </p:stCondLst>
+                                  <p:childTnLst>
+                                    <p:set>
+                                      <p:cBhvr>
+                                        <p:cTn id="6" dur="1" fill="hold">
+                                          <p:stCondLst>
+                                            <p:cond delay="0"/>
+                                          </p:stCondLst>
+                                        </p:cTn>
+                                        <p:tgtEl>
+                                          <p:spTgt spid="5"/>
+                                        </p:tgtEl>
+                                        <p:attrNameLst>
+                                          <p:attrName>style.visibility</p:attrName>
+                                        </p:attrNameLst>
+                                      </p:cBhvr>
+                                      <p:to>
+                                        <p:strVal val="visible"/>
+                                      </p:to>
+                                    </p:set>
+                                  </p:childTnLst>
+                                </p:cTn>
+                              </p:par>
+                            </p:childTnLst>
+                          </p:cTn>
+                        </p:par>
+                      </p:childTnLst>
+                    </p:cTn>
+                  </p:par>
+                  <p:par>
+                    <p:cTn id="7" fill="hold">
+                      <p:stCondLst>
+                        <p:cond delay="indefinite"/>
+                      </p:stCondLst>
+                      <p:childTnLst>
+                        <p:par>
+                          <p:cTn id="8" fill="hold">
+                            <p:stCondLst>
+                              <p:cond delay="0"/>
+                            </p:stCondLst>
+                            <p:childTnLst>
+                              <p:par>
+                                <p:cTn id="9" presetID="1" presetClass="entr" presetSubtype="0" fill="hold" nodeType="clickEffect">
+                                  <p:stCondLst>
+                                    <p:cond delay="0"/>
+                                  </p:stCondLst>
+                                  <p:childTnLst>
+                                    <p:set>
+                                      <p:cBhvr>
+                                        <p:cTn id="10" dur="1" fill="hold">
+                                          <p:stCondLst>
+                                            <p:cond delay="0"/>
+                                          </p:stCondLst>
+                                        </p:cTn>
+                                        <p:tgtEl>
+                                          <p:spTgt spid="6">
+                                            <p:txEl>
+                                              <p:pRg st="0" end="0"/>
+                                            </p:txEl>
+                                          </p:spTgt>
+                                        </p:tgtEl>
+                                        <p:attrNameLst>
+                                          <p:attrName>style.visibility</p:attrName>
+                                        </p:attrNameLst>
+                                      </p:cBhvr>
+                                      <p:to>
+                                        <p:strVal val="visible"/>
+                                      </p:to>
+                                    </p:set>
+                                  </p:childTnLst>
+                                </p:cTn>
+                              </p:par>
+                            </p:childTnLst>
+                          </p:cTn>
+                        </p:par>
+                      </p:childTnLst>
+                    </p:cTn>
+                  </p:par>
+                  <p:par>
+                    <p:cTn id="11" fill="hold">
+                      <p:stCondLst>
+                        <p:cond delay="indefinite"/>
+                      </p:stCondLst>
+                      <p:childTnLst>
+                        <p:par>
+                          <p:cTn id="12" fill="hold">
+                            <p:stCondLst>
+                              <p:cond delay="0"/>
+                            </p:stCondLst>
+                            <p:childTnLst>
+                              <p:par>
+                                <p:cTn id="13" presetID="1" presetClass="entr" presetSubtype="0" fill="hold" nodeType="clickEffect">
+                                  <p:stCondLst>
+                                    <p:cond delay="0"/>
+                                  </p:stCondLst>
+                                  <p:childTnLst>
+                                    <p:set>
+                                      <p:cBhvr>
+                                        <p:cTn id="14" dur="1" fill="hold">
+                                          <p:stCondLst>
+                                            <p:cond delay="0"/>
+                                          </p:stCondLst>
+                                        </p:cTn>
+                                        <p:tgtEl>
+                                          <p:spTgt spid="4">
+                                            <p:txEl>
+                                              <p:pRg st="1" end="1"/>
+                                            </p:txEl>
+                                          </p:spTgt>
+                                        </p:tgtEl>
+                                        <p:attrNameLst>
+                                          <p:attrName>style.visibility</p:attrName>
+                                        </p:attrNameLst>
+                                      </p:cBhvr>
+                                      <p:to>
+                                        <p:strVal val="visible"/>
+                                      </p:to>
+                                    </p:set>
+                                  </p:childTnLst>
+                                </p:cTn>
+                              </p:par>
+                            </p:childTnLst>
+                          </p:cTn>
+                        </p:par>
+                      </p:childTnLst>
+                    </p:cTn>
+                  </p:par>
+                  <p:par>
+                    <p:cTn id="15" fill="hold">
+                      <p:stCondLst>
+                        <p:cond delay="indefinite"/>
+                      </p:stCondLst>
+                      <p:childTnLst>
+                        <p:par>
+                          <p:cTn id="16" fill="hold">
+                            <p:stCondLst>
+                              <p:cond delay="0"/>
+                            </p:stCondLst>
+                            <p:childTnLst>
+                              <p:par>
+                                <p:cTn id="17" presetID="1" presetClass="entr" presetSubtype="0" fill="hold" nodeType="clickEffect">
+                                  <p:stCondLst>
+                                    <p:cond delay="0"/>
+                                  </p:stCondLst>
+                                  <p:childTnLst>
+                                    <p:set>
+                                      <p:cBhvr>
+                                        <p:cTn id="18" dur="1" fill="hold">
+                                          <p:stCondLst>
+                                            <p:cond delay="0"/>
+                                          </p:stCondLst>
+                                        </p:cTn>
+                                        <p:tgtEl>
+                                          <p:spTgt spid="3"/>
+                                        </p:tgtEl>
+                                        <p:attrNameLst>
+                                          <p:attrName>style.visibility</p:attrName>
+                                        </p:attrNameLst>
+                                      </p:cBhvr>
+                                      <p:to>
+                                        <p:strVal val="visible"/>
+                                      </p:to>
+                                    </p:set>
+                                  </p:childTnLst>
+                                </p:cTn>
+                              </p:par>
+                            </p:childTnLst>
+                          </p:cTn>
+                        </p:par>
+                      </p:childTnLst>
+                    </p:cTn>
+                  </p:par>
+                  <p:par>
+                    <p:cTn id="19" fill="hold">
+                      <p:stCondLst>
+                        <p:cond delay="indefinite"/>
+                      </p:stCondLst>
+                      <p:childTnLst>
+                        <p:par>
+                          <p:cTn id="20" fill="hold">
+                            <p:stCondLst>
+                              <p:cond delay="0"/>
+                            </p:stCondLst>
+                            <p:childTnLst>
+                              <p:par>
+                                <p:cTn id="21" presetID="1" presetClass="entr" presetSubtype="0" fill="hold" nodeType="clickEffect">
+                                  <p:stCondLst>
+                                    <p:cond delay="0"/>
+                                  </p:stCondLst>
+                                  <p:childTnLst>
+                                    <p:set>
+                                      <p:cBhvr>
+                                        <p:cTn id="22" dur="1" fill="hold">
+                                          <p:stCondLst>
+                                            <p:cond delay="0"/>
+                                          </p:stCondLst>
+                                        </p:cTn>
+                                        <p:tgtEl>
+                                          <p:spTgt spid="4">
+                                            <p:txEl>
+                                              <p:pRg st="0" end="0"/>
+                                            </p:txEl>
+                                          </p:spTgt>
+                                        </p:tgtEl>
+                                        <p:attrNameLst>
+                                          <p:attrName>style.visibility</p:attrName>
+                                        </p:attrNameLst>
+                                      </p:cBhvr>
+                                      <p:to>
+                                        <p:strVal val="visible"/>
+                                      </p:to>
+                                    </p:set>
+                                  </p:childTnLst>
+                                </p:cTn>
+                              </p:par>
+                            </p:childTnLst>
+                          </p:cTn>
+                        </p:par>
+                      </p:childTnLst>
+                    </p:cTn>
+                  </p:par>
+                  <p:par>
+                    <p:cTn id="23" fill="hold">
+                      <p:stCondLst>
+                        <p:cond delay="indefinite"/>
+                      </p:stCondLst>
+                      <p:childTnLst>
+                        <p:par>
+                          <p:cTn id="24" fill="hold">
+                            <p:stCondLst>
+                              <p:cond delay="0"/>
+                            </p:stCondLst>
+                            <p:childTnLst>
+                              <p:par>
+                                <p:cTn id="25" presetID="1" presetClass="entr" presetSubtype="0" fill="hold" grpId="0" nodeType="clickEffect">
+                                  <p:stCondLst>
+                                    <p:cond delay="0"/>
+                                  </p:stCondLst>
+                                  <p:childTnLst>
+                                    <p:set>
+                                      <p:cBhvr>
+                                        <p:cTn id="26" dur="1" fill="hold">
+                                          <p:stCondLst>
+                                            <p:cond delay="0"/>
+                                          </p:stCondLst>
+                                        </p:cTn>
+                                        <p:tgtEl>
+                                          <p:spTgt spid="7"/>
+                                        </p:tgtEl>
+                                        <p:attrNameLst>
+                                          <p:attrName>style.visibility</p:attrName>
+                                        </p:attrNameLst>
+                                      </p:cBhvr>
+                                      <p:to>
+                                        <p:strVal val="visible"/>
+                                      </p:to>
+                                    </p:set>
+                                  </p:childTnLst>
+                                </p:cTn>
+                              </p:par>
+                            </p:childTnLst>
+                          </p:cTn>
+                        </p:par>
+                      </p:childTnLst>
+                    </p:cTn>
+                  </p:par>
+                  <p:par>
+                    <p:cTn id="27" fill="hold">
+                      <p:stCondLst>
+                        <p:cond delay="indefinite"/>
+                      </p:stCondLst>
+                      <p:childTnLst>
+                        <p:par>
+                          <p:cTn id="28" fill="hold">
+                            <p:stCondLst>
+                              <p:cond delay="0"/>
+                            </p:stCondLst>
+                            <p:childTnLst>
+                              <p:par>
+                                <p:cTn id="29" presetID="1" presetClass="entr" presetSubtype="0" fill="hold" nodeType="clickEffect">
+                                  <p:stCondLst>
+                                    <p:cond delay="0"/>
+                                  </p:stCondLst>
+                                  <p:childTnLst>
+                                    <p:set>
+                                      <p:cBhvr>
+                                        <p:cTn id="30" dur="1" fill="hold">
+                                          <p:stCondLst>
+                                            <p:cond delay="0"/>
+                                          </p:stCondLst>
+                                        </p:cTn>
+                                        <p:tgtEl>
+                                          <p:spTgt spid="4">
+                                            <p:txEl>
+                                              <p:pRg st="2" end="2"/>
+                                            </p:txEl>
+                                          </p:spTgt>
+                                        </p:tgtEl>
+                                        <p:attrNameLst>
+                                          <p:attrName>style.visibility</p:attrName>
+                                        </p:attrNameLst>
+                                      </p:cBhvr>
+                                      <p:to>
+                                        <p:strVal val="visible"/>
+                                      </p:to>
+                                    </p:set>
+                                  </p:childTnLst>
+                                </p:cTn>
+                              </p:par>
+                            </p:childTnLst>
+                          </p:cTn>
+                        </p:par>
+                      </p:childTnLst>
+                    </p:cTn>
+                  </p:par>
+                  <p:par>
+                    <p:cTn id="31" fill="hold">
+                      <p:stCondLst>
+                        <p:cond delay="indefinite"/>
+                      </p:stCondLst>
+                      <p:childTnLst>
+                        <p:par>
+                          <p:cTn id="32" fill="hold">
+                            <p:stCondLst>
+                              <p:cond delay="0"/>
+                            </p:stCondLst>
+                            <p:childTnLst>
+                              <p:par>
+                                <p:cTn id="33" presetID="1" presetClass="entr" presetSubtype="0" fill="hold" grpId="0" nodeType="clickEffect">
+                                  <p:stCondLst>
+                                    <p:cond delay="0"/>
+                                  </p:stCondLst>
+                                  <p:childTnLst>
+                                    <p:set>
+                                      <p:cBhvr>
+                                        <p:cTn id="34" dur="1" fill="hold">
+                                          <p:stCondLst>
+                                            <p:cond delay="0"/>
+                                          </p:stCondLst>
+                                        </p:cTn>
+                                        <p:tgtEl>
+                                          <p:spTgt spid="10"/>
+                                        </p:tgtEl>
+                                        <p:attrNameLst>
+                                          <p:attrName>style.visibility</p:attrName>
+                                        </p:attrNameLst>
+                                      </p:cBhvr>
+                                      <p:to>
+                                        <p:strVal val="visible"/>
+                                      </p:to>
+                                    </p:set>
+                                  </p:childTnLst>
+                                </p:cTn>
+                              </p:par>
+                            </p:childTnLst>
+                          </p:cTn>
+                        </p:par>
+                      </p:childTnLst>
+                    </p:cTn>
+                  </p:par>
+                  <p:par>
+                    <p:cTn id="35" fill="hold">
+                      <p:stCondLst>
+                        <p:cond delay="indefinite"/>
+                      </p:stCondLst>
+                      <p:childTnLst>
+                        <p:par>
+                          <p:cTn id="36" fill="hold">
+                            <p:stCondLst>
+                              <p:cond delay="0"/>
+                            </p:stCondLst>
+                            <p:childTnLst>
+                              <p:par>
+                                <p:cTn id="37" presetID="1" presetClass="entr" presetSubtype="0" fill="hold" nodeType="clickEffect">
+                                  <p:stCondLst>
+                                    <p:cond delay="0"/>
+                                  </p:stCondLst>
+                                  <p:childTnLst>
+                                    <p:set>
+                                      <p:cBhvr>
+                                        <p:cTn id="38" dur="1" fill="hold">
+                                          <p:stCondLst>
+                                            <p:cond delay="0"/>
+                                          </p:stCondLst>
+                                        </p:cTn>
+                                        <p:tgtEl>
+                                          <p:spTgt spid="30"/>
+                                        </p:tgtEl>
+                                        <p:attrNameLst>
+                                          <p:attrName>style.visibility</p:attrName>
+                                        </p:attrNameLst>
+                                      </p:cBhvr>
+                                      <p:to>
+                                        <p:strVal val="visible"/>
+                                      </p:to>
+                                    </p:set>
+                                  </p:childTnLst>
+                                </p:cTn>
+                              </p:par>
+                            </p:childTnLst>
+                          </p:cTn>
+                        </p:par>
+                      </p:childTnLst>
+                    </p:cTn>
+                  </p:par>
+                  <p:par>
+                    <p:cTn id="39" fill="hold">
+                      <p:stCondLst>
+                        <p:cond delay="indefinite"/>
+                      </p:stCondLst>
+                      <p:childTnLst>
+                        <p:par>
+                          <p:cTn id="40" fill="hold">
+                            <p:stCondLst>
+                              <p:cond delay="0"/>
+                            </p:stCondLst>
+                            <p:childTnLst>
+                              <p:par>
+                                <p:cTn id="41" presetID="1" presetClass="entr" presetSubtype="0" fill="hold" nodeType="clickEffect">
+                                  <p:stCondLst>
+                                    <p:cond delay="0"/>
+                                  </p:stCondLst>
+                                  <p:childTnLst>
+                                    <p:set>
+                                      <p:cBhvr>
+                                        <p:cTn id="42" dur="1" fill="hold">
+                                          <p:stCondLst>
+                                            <p:cond delay="0"/>
+                                          </p:stCondLst>
+                                        </p:cTn>
+                                        <p:tgtEl>
+                                          <p:spTgt spid="4">
+                                            <p:txEl>
+                                              <p:pRg st="3" end="3"/>
+                                            </p:txEl>
+                                          </p:spTgt>
+                                        </p:tgtEl>
+                                        <p:attrNameLst>
+                                          <p:attrName>style.visibility</p:attrName>
+                                        </p:attrNameLst>
+                                      </p:cBhvr>
+                                      <p:to>
+                                        <p:strVal val="visible"/>
+                                      </p:to>
+                                    </p:set>
+                                  </p:childTnLst>
+                                </p:cTn>
+                              </p:par>
+                            </p:childTnLst>
+                          </p:cTn>
+                        </p:par>
+                      </p:childTnLst>
+                    </p:cTn>
+                  </p:par>
+                  <p:par>
+                    <p:cTn id="43" fill="hold">
+                      <p:stCondLst>
+                        <p:cond delay="indefinite"/>
+                      </p:stCondLst>
+                      <p:childTnLst>
+                        <p:par>
+                          <p:cTn id="44" fill="hold">
+                            <p:stCondLst>
+                              <p:cond delay="0"/>
+                            </p:stCondLst>
+                            <p:childTnLst>
+                              <p:par>
+                                <p:cTn id="45" presetID="1" presetClass="entr" presetSubtype="0" fill="hold" nodeType="clickEffect">
+                                  <p:stCondLst>
+                                    <p:cond delay="0"/>
+                                  </p:stCondLst>
+                                  <p:childTnLst>
+                                    <p:set>
+                                      <p:cBhvr>
+                                        <p:cTn id="46" dur="1" fill="hold">
+                                          <p:stCondLst>
+                                            <p:cond delay="0"/>
+                                          </p:stCondLst>
+                                        </p:cTn>
+                                        <p:tgtEl>
+                                          <p:spTgt spid="6">
+                                            <p:txEl>
+                                              <p:pRg st="1" end="1"/>
+                                            </p:txEl>
+                                          </p:spTgt>
+                                        </p:tgtEl>
+                                        <p:attrNameLst>
+                                          <p:attrName>style.visibility</p:attrName>
+                                        </p:attrNameLst>
+                                      </p:cBhvr>
+                                      <p:to>
+                                        <p:strVal val="visible"/>
+                                      </p:to>
+                                    </p:set>
+                                  </p:childTnLst>
+                                </p:cTn>
+                              </p:par>
+                              <p:par>
+                                <p:cTn id="47" presetID="1" presetClass="entr" presetSubtype="0" fill="hold" nodeType="withEffect">
+                                  <p:stCondLst>
+                                    <p:cond delay="0"/>
+                                  </p:stCondLst>
+                                  <p:childTnLst>
+                                    <p:set>
+                                      <p:cBhvr>
+                                        <p:cTn id="48" dur="1" fill="hold">
+                                          <p:stCondLst>
+                                            <p:cond delay="0"/>
+                                          </p:stCondLst>
+                                        </p:cTn>
+                                        <p:tgtEl>
+                                          <p:spTgt spid="6">
+                                            <p:txEl>
+                                              <p:pRg st="2" end="2"/>
+                                            </p:txEl>
+                                          </p:spTgt>
+                                        </p:tgtEl>
+                                        <p:attrNameLst>
+                                          <p:attrName>style.visibility</p:attrName>
+                                        </p:attrNameLst>
+                                      </p:cBhvr>
+                                      <p:to>
+                                        <p:strVal val="visible"/>
+                                      </p:to>
+                                    </p:set>
+                                  </p:childTnLst>
+                                </p:cTn>
+                              </p:par>
+                              <p:par>
+                                <p:cTn id="49" presetID="1" presetClass="entr" presetSubtype="0" fill="hold" nodeType="withEffect">
+                                  <p:stCondLst>
+                                    <p:cond delay="0"/>
+                                  </p:stCondLst>
+                                  <p:childTnLst>
+                                    <p:set>
+                                      <p:cBhvr>
+                                        <p:cTn id="50" dur="1" fill="hold">
+                                          <p:stCondLst>
+                                            <p:cond delay="0"/>
+                                          </p:stCondLst>
+                                        </p:cTn>
+                                        <p:tgtEl>
+                                          <p:spTgt spid="6">
+                                            <p:txEl>
+                                              <p:pRg st="3" end="3"/>
+                                            </p:txEl>
+                                          </p:spTgt>
+                                        </p:tgtEl>
+                                        <p:attrNameLst>
+                                          <p:attrName>style.visibility</p:attrName>
+                                        </p:attrNameLst>
+                                      </p:cBhvr>
+                                      <p:to>
+                                        <p:strVal val="visible"/>
+                                      </p:to>
+                                    </p:set>
+                                  </p:childTnLst>
+                                </p:cTn>
+                              </p:par>
+                              <p:par>
+                                <p:cTn id="51" presetID="1" presetClass="entr" presetSubtype="0" fill="hold" nodeType="withEffect">
+                                  <p:stCondLst>
+                                    <p:cond delay="0"/>
+                                  </p:stCondLst>
+                                  <p:childTnLst>
+                                    <p:set>
+                                      <p:cBhvr>
+                                        <p:cTn id="52" dur="1" fill="hold">
+                                          <p:stCondLst>
+                                            <p:cond delay="0"/>
+                                          </p:stCondLst>
+                                        </p:cTn>
+                                        <p:tgtEl>
+                                          <p:spTgt spid="6">
+                                            <p:txEl>
+                                              <p:pRg st="4" end="4"/>
+                                            </p:txEl>
+                                          </p:spTgt>
+                                        </p:tgtEl>
+                                        <p:attrNameLst>
+                                          <p:attrName>style.visibility</p:attrName>
+                                        </p:attrNameLst>
+                                      </p:cBhvr>
+                                      <p:to>
+                                        <p:strVal val="visible"/>
+                                      </p:to>
+                                    </p:set>
+                                  </p:childTnLst>
+                                </p:cTn>
+                              </p:par>
+                              <p:par>
+                                <p:cTn id="53" presetID="1" presetClass="entr" presetSubtype="0" fill="hold" nodeType="withEffect">
+                                  <p:stCondLst>
+                                    <p:cond delay="0"/>
+                                  </p:stCondLst>
+                                  <p:childTnLst>
+                                    <p:set>
+                                      <p:cBhvr>
+                                        <p:cTn id="54" dur="1" fill="hold">
+                                          <p:stCondLst>
+                                            <p:cond delay="0"/>
+                                          </p:stCondLst>
+                                        </p:cTn>
+                                        <p:tgtEl>
+                                          <p:spTgt spid="6">
+                                            <p:txEl>
+                                              <p:pRg st="5" end="5"/>
+                                            </p:txEl>
+                                          </p:spTgt>
+                                        </p:tgtEl>
+                                        <p:attrNameLst>
+                                          <p:attrName>style.visibility</p:attrName>
+                                        </p:attrNameLst>
+                                      </p:cBhvr>
+                                      <p:to>
+                                        <p:strVal val="visible"/>
+                                      </p:to>
+                                    </p:set>
+                                  </p:childTnLst>
+                                </p:cTn>
+                              </p:par>
+                              <p:par>
+                                <p:cTn id="55" presetID="1" presetClass="entr" presetSubtype="0" fill="hold" nodeType="withEffect">
+                                  <p:stCondLst>
+                                    <p:cond delay="0"/>
+                                  </p:stCondLst>
+                                  <p:childTnLst>
+                                    <p:set>
+                                      <p:cBhvr>
+                                        <p:cTn id="56" dur="1" fill="hold">
+                                          <p:stCondLst>
+                                            <p:cond delay="0"/>
+                                          </p:stCondLst>
+                                        </p:cTn>
+                                        <p:tgtEl>
+                                          <p:spTgt spid="6">
+                                            <p:txEl>
+                                              <p:pRg st="6" end="6"/>
+                                            </p:txEl>
+                                          </p:spTgt>
+                                        </p:tgtEl>
+                                        <p:attrNameLst>
+                                          <p:attrName>style.visibility</p:attrName>
+                                        </p:attrNameLst>
+                                      </p:cBhvr>
+                                      <p:to>
+                                        <p:strVal val="visible"/>
+                                      </p:to>
+                                    </p:set>
+                                  </p:childTnLst>
+                                </p:cTn>
+                              </p:par>
+                            </p:childTnLst>
+                          </p:cTn>
+                        </p:par>
+                      </p:childTnLst>
+                    </p:cTn>
+                  </p:par>
+                </p:childTnLst>
+              </p:cTn>
+              <p:prevCondLst>
+                <p:cond evt="onPrev" delay="0">
+                  <p:tgtEl>
+                    <p:sldTgt/>
+                  </p:tgtEl>
+                </p:cond>
+              </p:prevCondLst>
+              <p:nextCondLst>
+                <p:cond evt="onNext" delay="0">
+                  <p:tgtEl>
+                    <p:sldTgt/>
+                  </p:tgtEl>
+                </p:cond>
+              </p:nextCondLst>
+            </p:seq>
+          </p:childTnLst>
+        </p:cTn>
+      </p:par>
+    </p:tnLst>
+    <p:bldLst>
+      <p:bldP spid="5" grpId="0"/>
+      <p:bldP spid="7" grpId="0"/>
+      <p:bldP spid="10" grpId="0"/>
+    </p:bldLst>
+  </p:timing>
 </p:sld>
 </file>
 
